--- a/Fall_2017/work/devonbodey/Final Project Proposal.pptx
+++ b/Fall_2017/work/devonbodey/Final Project Proposal.pptx
@@ -3878,7 +3878,7 @@
         </p:nvSpPr>
         <p:spPr>
           <a:xfrm>
-            <a:off x="9581322" y="5857461"/>
+            <a:off x="9341480" y="5872451"/>
             <a:ext cx="2610678" cy="369332"/>
           </a:xfrm>
           <a:prstGeom prst="rect">
